--- a/images/Front-design.pptx
+++ b/images/Front-design.pptx
@@ -244,7 +244,7 @@
           <a:p>
             <a:fld id="{35A37826-251B-4A88-B5F1-14358E59E079}" type="datetimeFigureOut">
               <a:rPr lang="zh-CN" altLang="en-US" smtClean="0"/>
-              <a:t>2025/7/25</a:t>
+              <a:t>2025/7/26</a:t>
             </a:fld>
             <a:endParaRPr lang="zh-CN" altLang="en-US"/>
           </a:p>
@@ -414,7 +414,7 @@
           <a:p>
             <a:fld id="{35A37826-251B-4A88-B5F1-14358E59E079}" type="datetimeFigureOut">
               <a:rPr lang="zh-CN" altLang="en-US" smtClean="0"/>
-              <a:t>2025/7/25</a:t>
+              <a:t>2025/7/26</a:t>
             </a:fld>
             <a:endParaRPr lang="zh-CN" altLang="en-US"/>
           </a:p>
@@ -594,7 +594,7 @@
           <a:p>
             <a:fld id="{35A37826-251B-4A88-B5F1-14358E59E079}" type="datetimeFigureOut">
               <a:rPr lang="zh-CN" altLang="en-US" smtClean="0"/>
-              <a:t>2025/7/25</a:t>
+              <a:t>2025/7/26</a:t>
             </a:fld>
             <a:endParaRPr lang="zh-CN" altLang="en-US"/>
           </a:p>
@@ -764,7 +764,7 @@
           <a:p>
             <a:fld id="{35A37826-251B-4A88-B5F1-14358E59E079}" type="datetimeFigureOut">
               <a:rPr lang="zh-CN" altLang="en-US" smtClean="0"/>
-              <a:t>2025/7/25</a:t>
+              <a:t>2025/7/26</a:t>
             </a:fld>
             <a:endParaRPr lang="zh-CN" altLang="en-US"/>
           </a:p>
@@ -1010,7 +1010,7 @@
           <a:p>
             <a:fld id="{35A37826-251B-4A88-B5F1-14358E59E079}" type="datetimeFigureOut">
               <a:rPr lang="zh-CN" altLang="en-US" smtClean="0"/>
-              <a:t>2025/7/25</a:t>
+              <a:t>2025/7/26</a:t>
             </a:fld>
             <a:endParaRPr lang="zh-CN" altLang="en-US"/>
           </a:p>
@@ -1242,7 +1242,7 @@
           <a:p>
             <a:fld id="{35A37826-251B-4A88-B5F1-14358E59E079}" type="datetimeFigureOut">
               <a:rPr lang="zh-CN" altLang="en-US" smtClean="0"/>
-              <a:t>2025/7/25</a:t>
+              <a:t>2025/7/26</a:t>
             </a:fld>
             <a:endParaRPr lang="zh-CN" altLang="en-US"/>
           </a:p>
@@ -1609,7 +1609,7 @@
           <a:p>
             <a:fld id="{35A37826-251B-4A88-B5F1-14358E59E079}" type="datetimeFigureOut">
               <a:rPr lang="zh-CN" altLang="en-US" smtClean="0"/>
-              <a:t>2025/7/25</a:t>
+              <a:t>2025/7/26</a:t>
             </a:fld>
             <a:endParaRPr lang="zh-CN" altLang="en-US"/>
           </a:p>
@@ -1727,7 +1727,7 @@
           <a:p>
             <a:fld id="{35A37826-251B-4A88-B5F1-14358E59E079}" type="datetimeFigureOut">
               <a:rPr lang="zh-CN" altLang="en-US" smtClean="0"/>
-              <a:t>2025/7/25</a:t>
+              <a:t>2025/7/26</a:t>
             </a:fld>
             <a:endParaRPr lang="zh-CN" altLang="en-US"/>
           </a:p>
@@ -1822,7 +1822,7 @@
           <a:p>
             <a:fld id="{35A37826-251B-4A88-B5F1-14358E59E079}" type="datetimeFigureOut">
               <a:rPr lang="zh-CN" altLang="en-US" smtClean="0"/>
-              <a:t>2025/7/25</a:t>
+              <a:t>2025/7/26</a:t>
             </a:fld>
             <a:endParaRPr lang="zh-CN" altLang="en-US"/>
           </a:p>
@@ -2099,7 +2099,7 @@
           <a:p>
             <a:fld id="{35A37826-251B-4A88-B5F1-14358E59E079}" type="datetimeFigureOut">
               <a:rPr lang="zh-CN" altLang="en-US" smtClean="0"/>
-              <a:t>2025/7/25</a:t>
+              <a:t>2025/7/26</a:t>
             </a:fld>
             <a:endParaRPr lang="zh-CN" altLang="en-US"/>
           </a:p>
@@ -2352,7 +2352,7 @@
           <a:p>
             <a:fld id="{35A37826-251B-4A88-B5F1-14358E59E079}" type="datetimeFigureOut">
               <a:rPr lang="zh-CN" altLang="en-US" smtClean="0"/>
-              <a:t>2025/7/25</a:t>
+              <a:t>2025/7/26</a:t>
             </a:fld>
             <a:endParaRPr lang="zh-CN" altLang="en-US"/>
           </a:p>
@@ -2565,7 +2565,7 @@
           <a:p>
             <a:fld id="{35A37826-251B-4A88-B5F1-14358E59E079}" type="datetimeFigureOut">
               <a:rPr lang="zh-CN" altLang="en-US" smtClean="0"/>
-              <a:t>2025/7/25</a:t>
+              <a:t>2025/7/26</a:t>
             </a:fld>
             <a:endParaRPr lang="zh-CN" altLang="en-US"/>
           </a:p>
@@ -3113,15 +3113,6 @@
               </a:rPr>
               <a:t>AI</a:t>
             </a:r>
-            <a:endParaRPr lang="en-US" altLang="zh-CN" sz="2800" b="1" kern="0" spc="300" dirty="0" smtClean="0">
-              <a:solidFill>
-                <a:schemeClr val="accent1">
-                  <a:lumMod val="75000"/>
-                </a:schemeClr>
-              </a:solidFill>
-              <a:latin typeface="微软雅黑" panose="020B0503020204020204" pitchFamily="34" charset="-122"/>
-              <a:ea typeface="微软雅黑" panose="020B0503020204020204" pitchFamily="34" charset="-122"/>
-            </a:endParaRPr>
           </a:p>
         </p:txBody>
       </p:sp>
@@ -3413,7 +3404,7 @@
             <a:avLst/>
           </a:prstGeom>
           <a:solidFill>
-            <a:srgbClr val="00B050"/>
+            <a:srgbClr val="B028C2"/>
           </a:solidFill>
           <a:ln>
             <a:noFill/>
@@ -3441,7 +3432,7 @@
           <a:p>
             <a:pPr algn="ctr"/>
             <a:r>
-              <a:rPr lang="en-US" altLang="zh-CN" sz="9600" b="1" spc="300" dirty="0" smtClean="0">
+              <a:rPr lang="en-US" altLang="zh-CN" sz="8800" b="1" spc="300" dirty="0" smtClean="0">
                 <a:solidFill>
                   <a:schemeClr val="bg1"/>
                 </a:solidFill>
@@ -3449,7 +3440,7 @@
               </a:rPr>
               <a:t>L</a:t>
             </a:r>
-            <a:endParaRPr lang="zh-CN" altLang="en-US" sz="4400" b="1" spc="300" dirty="0">
+            <a:endParaRPr lang="zh-CN" altLang="en-US" sz="4000" b="1" spc="300" dirty="0">
               <a:solidFill>
                 <a:schemeClr val="bg1"/>
               </a:solidFill>
@@ -3460,7 +3451,7 @@
       </p:sp>
       <p:pic>
         <p:nvPicPr>
-          <p:cNvPr id="2" name="图片 1"/>
+          <p:cNvPr id="4" name="图片 3"/>
           <p:cNvPicPr>
             <a:picLocks noChangeAspect="1"/>
           </p:cNvPicPr>

--- a/images/Front-design.pptx
+++ b/images/Front-design.pptx
@@ -3404,7 +3404,7 @@
             <a:avLst/>
           </a:prstGeom>
           <a:solidFill>
-            <a:srgbClr val="B028C2"/>
+            <a:srgbClr val="00B0F0"/>
           </a:solidFill>
           <a:ln>
             <a:noFill/>
@@ -3466,6 +3466,30 @@
         <p:spPr>
           <a:xfrm>
             <a:off x="5764501" y="3101311"/>
+            <a:ext cx="662997" cy="655377"/>
+          </a:xfrm>
+          <a:prstGeom prst="rect">
+            <a:avLst/>
+          </a:prstGeom>
+        </p:spPr>
+      </p:pic>
+      <p:pic>
+        <p:nvPicPr>
+          <p:cNvPr id="2" name="图片 1"/>
+          <p:cNvPicPr>
+            <a:picLocks noChangeAspect="1"/>
+          </p:cNvPicPr>
+          <p:nvPr/>
+        </p:nvPicPr>
+        <p:blipFill>
+          <a:blip r:embed="rId3"/>
+          <a:stretch>
+            <a:fillRect/>
+          </a:stretch>
+        </p:blipFill>
+        <p:spPr>
+          <a:xfrm>
+            <a:off x="6596523" y="1751243"/>
             <a:ext cx="662997" cy="655377"/>
           </a:xfrm>
           <a:prstGeom prst="rect">
